--- a/世界幸福度報告(2019年)の分析.pptx
+++ b/世界幸福度報告(2019年)の分析.pptx
@@ -5,14 +5,17 @@
     <p:sldMasterId id="2147483746" r:id="rId1"/>
   </p:sldMasterIdLst>
   <p:notesMasterIdLst>
-    <p:notesMasterId r:id="rId4"/>
+    <p:notesMasterId r:id="rId7"/>
   </p:notesMasterIdLst>
   <p:handoutMasterIdLst>
-    <p:handoutMasterId r:id="rId5"/>
+    <p:handoutMasterId r:id="rId8"/>
   </p:handoutMasterIdLst>
   <p:sldIdLst>
     <p:sldId id="257" r:id="rId2"/>
     <p:sldId id="259" r:id="rId3"/>
+    <p:sldId id="261" r:id="rId4"/>
+    <p:sldId id="260" r:id="rId5"/>
+    <p:sldId id="262" r:id="rId6"/>
   </p:sldIdLst>
   <p:sldSz cx="12192000" cy="6858000"/>
   <p:notesSz cx="6858000" cy="9144000"/>
@@ -206,7 +209,7 @@
             <a:pPr rtl="0"/>
             <a:fld id="{D4CA224D-9FD1-45D3-9C53-2C5BC011A7F7}" type="datetime1">
               <a:rPr lang="ja-JP" altLang="en-US" smtClean="0"/>
-              <a:t>2023/3/12</a:t>
+              <a:t>2023/3/13</a:t>
             </a:fld>
             <a:endParaRPr lang="en-US" dirty="0"/>
           </a:p>
@@ -376,7 +379,7 @@
             <a:pPr rtl="0"/>
             <a:fld id="{12CD2E1E-736E-47DB-9544-043CA732B0EB}" type="datetime1">
               <a:rPr lang="ja-JP" altLang="en-US" smtClean="0"/>
-              <a:t>2023/3/12</a:t>
+              <a:t>2023/3/13</a:t>
             </a:fld>
             <a:endParaRPr lang="en-US"/>
           </a:p>
@@ -896,7 +899,7 @@
             <a:pPr rtl="0"/>
             <a:fld id="{03496EA7-3ED1-4297-A13C-24124DE2B13A}" type="datetime1">
               <a:rPr lang="ja-JP" altLang="en-US" smtClean="0"/>
-              <a:t>2023/3/12</a:t>
+              <a:t>2023/3/13</a:t>
             </a:fld>
             <a:endParaRPr lang="en-US" dirty="0"/>
           </a:p>
@@ -1120,7 +1123,7 @@
             <a:pPr rtl="0"/>
             <a:fld id="{07B4CE94-0898-4DE3-8AD0-0946AA04A64E}" type="datetime1">
               <a:rPr lang="ja-JP" altLang="en-US" smtClean="0"/>
-              <a:t>2023/3/12</a:t>
+              <a:t>2023/3/13</a:t>
             </a:fld>
             <a:endParaRPr lang="en-US" dirty="0"/>
           </a:p>
@@ -1398,7 +1401,7 @@
             <a:pPr rtl="0"/>
             <a:fld id="{C4A4181F-25C5-4F43-9D3D-6888EB50DD84}" type="datetime1">
               <a:rPr lang="ja-JP" altLang="en-US" smtClean="0"/>
-              <a:t>2023/3/12</a:t>
+              <a:t>2023/3/13</a:t>
             </a:fld>
             <a:endParaRPr lang="en-US" dirty="0"/>
           </a:p>
@@ -1622,7 +1625,7 @@
             <a:pPr rtl="0"/>
             <a:fld id="{6BB10D81-EB47-474E-AFE6-F10ABA500AD1}" type="datetime1">
               <a:rPr lang="ja-JP" altLang="en-US" smtClean="0"/>
-              <a:t>2023/3/12</a:t>
+              <a:t>2023/3/13</a:t>
             </a:fld>
             <a:endParaRPr lang="en-US" dirty="0"/>
           </a:p>
@@ -1999,7 +2002,7 @@
             <a:pPr rtl="0"/>
             <a:fld id="{83FAE9EC-F641-49D1-8818-C6EAB532FF50}" type="datetime1">
               <a:rPr lang="ja-JP" altLang="en-US" smtClean="0"/>
-              <a:t>2023/3/12</a:t>
+              <a:t>2023/3/13</a:t>
             </a:fld>
             <a:endParaRPr lang="en-US" dirty="0"/>
           </a:p>
@@ -2322,7 +2325,7 @@
             <a:pPr rtl="0"/>
             <a:fld id="{DB43ECC2-B0E5-4875-9C28-6BDA7278145C}" type="datetime1">
               <a:rPr lang="ja-JP" altLang="en-US" smtClean="0"/>
-              <a:t>2023/3/12</a:t>
+              <a:t>2023/3/13</a:t>
             </a:fld>
             <a:endParaRPr lang="en-US" dirty="0"/>
           </a:p>
@@ -2787,7 +2790,7 @@
             <a:pPr rtl="0"/>
             <a:fld id="{FA5138DC-E271-41C8-BE65-2AC8ADEEA4A9}" type="datetime1">
               <a:rPr lang="ja-JP" altLang="en-US" smtClean="0"/>
-              <a:t>2023/3/12</a:t>
+              <a:t>2023/3/13</a:t>
             </a:fld>
             <a:endParaRPr lang="en-US" dirty="0"/>
           </a:p>
@@ -2927,7 +2930,7 @@
             <a:pPr rtl="0"/>
             <a:fld id="{8F26F9E0-B2BB-4E8F-A353-6B1AF083078D}" type="datetime1">
               <a:rPr lang="ja-JP" altLang="en-US" smtClean="0"/>
-              <a:t>2023/3/12</a:t>
+              <a:t>2023/3/13</a:t>
             </a:fld>
             <a:endParaRPr lang="en-US" dirty="0"/>
           </a:p>
@@ -3087,7 +3090,7 @@
             <a:pPr rtl="0"/>
             <a:fld id="{345DEE80-C133-4C82-BA52-6E6A78DF5359}" type="datetime1">
               <a:rPr lang="ja-JP" altLang="en-US" smtClean="0"/>
-              <a:t>2023/3/12</a:t>
+              <a:t>2023/3/13</a:t>
             </a:fld>
             <a:endParaRPr lang="en-US" dirty="0"/>
           </a:p>
@@ -3452,7 +3455,7 @@
             <a:pPr rtl="0"/>
             <a:fld id="{5D48F394-EB73-4DAF-B9DC-4B7F06E8D586}" type="datetime1">
               <a:rPr lang="ja-JP" altLang="en-US" smtClean="0"/>
-              <a:t>2023/3/12</a:t>
+              <a:t>2023/3/13</a:t>
             </a:fld>
             <a:endParaRPr lang="en-US" dirty="0"/>
           </a:p>
@@ -3807,7 +3810,7 @@
             <a:pPr rtl="0"/>
             <a:fld id="{37D32CA8-DFB3-42D1-9A93-81D658AB3F6D}" type="datetime1">
               <a:rPr lang="ja-JP" altLang="en-US" smtClean="0"/>
-              <a:t>2023/3/12</a:t>
+              <a:t>2023/3/13</a:t>
             </a:fld>
             <a:endParaRPr lang="en-US" dirty="0"/>
           </a:p>
@@ -4072,7 +4075,7 @@
           <a:p>
             <a:fld id="{9C574417-D6A5-4805-B113-749635F0A52F}" type="datetime1">
               <a:rPr lang="ja-JP" altLang="en-US" noProof="0" smtClean="0"/>
-              <a:t>2023/3/12</a:t>
+              <a:t>2023/3/13</a:t>
             </a:fld>
             <a:endParaRPr lang="ja-JP" altLang="en-US" noProof="0" dirty="0"/>
           </a:p>
@@ -5044,6 +5047,547 @@
       </p:grpSpPr>
       <p:sp>
         <p:nvSpPr>
+          <p:cNvPr id="9" name="テキスト ボックス 8">
+            <a:extLst>
+              <a:ext uri="{FF2B5EF4-FFF2-40B4-BE49-F238E27FC236}">
+                <a16:creationId xmlns:a16="http://schemas.microsoft.com/office/drawing/2014/main" id="{0670BE5B-DE21-572A-B994-A9D5A200B6AB}"/>
+              </a:ext>
+            </a:extLst>
+          </p:cNvPr>
+          <p:cNvSpPr txBox="1"/>
+          <p:nvPr/>
+        </p:nvSpPr>
+        <p:spPr>
+          <a:xfrm>
+            <a:off x="125314" y="286011"/>
+            <a:ext cx="11582399" cy="584775"/>
+          </a:xfrm>
+          <a:prstGeom prst="rect">
+            <a:avLst/>
+          </a:prstGeom>
+          <a:noFill/>
+        </p:spPr>
+        <p:txBody>
+          <a:bodyPr wrap="square" rtlCol="0">
+            <a:spAutoFit/>
+          </a:bodyPr>
+          <a:lstStyle/>
+          <a:p>
+            <a:pPr algn="ctr"/>
+            <a:r>
+              <a:rPr kumimoji="1" lang="ja-JP" altLang="en-US" sz="3200" dirty="0">
+                <a:latin typeface="源柔ゴシック Bold" panose="020B0602020203020207" pitchFamily="50" charset="-128"/>
+                <a:ea typeface="源柔ゴシック Bold" panose="020B0602020203020207" pitchFamily="50" charset="-128"/>
+                <a:cs typeface="源柔ゴシック Bold" panose="020B0602020203020207" pitchFamily="50" charset="-128"/>
+              </a:rPr>
+              <a:t>国連・幸福度調査のレポートを分析</a:t>
+            </a:r>
+          </a:p>
+        </p:txBody>
+      </p:sp>
+      <p:sp>
+        <p:nvSpPr>
+          <p:cNvPr id="10" name="テキスト ボックス 9">
+            <a:extLst>
+              <a:ext uri="{FF2B5EF4-FFF2-40B4-BE49-F238E27FC236}">
+                <a16:creationId xmlns:a16="http://schemas.microsoft.com/office/drawing/2014/main" id="{CA3D35C9-AEA9-E9AE-1607-060EB07EC04B}"/>
+              </a:ext>
+            </a:extLst>
+          </p:cNvPr>
+          <p:cNvSpPr txBox="1"/>
+          <p:nvPr/>
+        </p:nvSpPr>
+        <p:spPr>
+          <a:xfrm>
+            <a:off x="5547462" y="870786"/>
+            <a:ext cx="6267936" cy="1200329"/>
+          </a:xfrm>
+          <a:prstGeom prst="rect">
+            <a:avLst/>
+          </a:prstGeom>
+          <a:noFill/>
+        </p:spPr>
+        <p:txBody>
+          <a:bodyPr wrap="square" rtlCol="0">
+            <a:spAutoFit/>
+          </a:bodyPr>
+          <a:lstStyle/>
+          <a:p>
+            <a:pPr algn="ctr"/>
+            <a:endParaRPr kumimoji="1" lang="en-US" altLang="ja-JP" sz="2400" dirty="0">
+              <a:latin typeface="源柔ゴシック Bold" panose="020B0602020203020207" pitchFamily="50" charset="-128"/>
+              <a:ea typeface="源柔ゴシック Bold" panose="020B0602020203020207" pitchFamily="50" charset="-128"/>
+              <a:cs typeface="源柔ゴシック Bold" panose="020B0602020203020207" pitchFamily="50" charset="-128"/>
+            </a:endParaRPr>
+          </a:p>
+          <a:p>
+            <a:pPr algn="ctr"/>
+            <a:r>
+              <a:rPr kumimoji="1" lang="ja-JP" altLang="en-US" sz="2400" dirty="0">
+                <a:latin typeface="源柔ゴシック Bold" panose="020B0602020203020207" pitchFamily="50" charset="-128"/>
+                <a:ea typeface="源柔ゴシック Bold" panose="020B0602020203020207" pitchFamily="50" charset="-128"/>
+                <a:cs typeface="源柔ゴシック Bold" panose="020B0602020203020207" pitchFamily="50" charset="-128"/>
+              </a:rPr>
+              <a:t>世界幸福度報告</a:t>
+            </a:r>
+            <a:endParaRPr kumimoji="1" lang="en-US" altLang="ja-JP" sz="2400" dirty="0">
+              <a:latin typeface="源柔ゴシック Bold" panose="020B0602020203020207" pitchFamily="50" charset="-128"/>
+              <a:ea typeface="源柔ゴシック Bold" panose="020B0602020203020207" pitchFamily="50" charset="-128"/>
+              <a:cs typeface="源柔ゴシック Bold" panose="020B0602020203020207" pitchFamily="50" charset="-128"/>
+            </a:endParaRPr>
+          </a:p>
+          <a:p>
+            <a:pPr algn="ctr"/>
+            <a:r>
+              <a:rPr kumimoji="1" lang="ja-JP" altLang="en-US" sz="2400" dirty="0">
+                <a:latin typeface="源柔ゴシック Bold" panose="020B0602020203020207" pitchFamily="50" charset="-128"/>
+                <a:ea typeface="源柔ゴシック Bold" panose="020B0602020203020207" pitchFamily="50" charset="-128"/>
+                <a:cs typeface="源柔ゴシック Bold" panose="020B0602020203020207" pitchFamily="50" charset="-128"/>
+              </a:rPr>
+              <a:t>（英</a:t>
+            </a:r>
+            <a:r>
+              <a:rPr kumimoji="1" lang="en-US" altLang="ja-JP" sz="2400" dirty="0">
+                <a:latin typeface="源柔ゴシック Bold" panose="020B0602020203020207" pitchFamily="50" charset="-128"/>
+                <a:ea typeface="源柔ゴシック Bold" panose="020B0602020203020207" pitchFamily="50" charset="-128"/>
+                <a:cs typeface="源柔ゴシック Bold" panose="020B0602020203020207" pitchFamily="50" charset="-128"/>
+              </a:rPr>
+              <a:t>: World Happiness Report</a:t>
+            </a:r>
+            <a:r>
+              <a:rPr kumimoji="1" lang="ja-JP" altLang="en-US" sz="2400" dirty="0">
+                <a:latin typeface="源柔ゴシック Bold" panose="020B0602020203020207" pitchFamily="50" charset="-128"/>
+                <a:ea typeface="源柔ゴシック Bold" panose="020B0602020203020207" pitchFamily="50" charset="-128"/>
+                <a:cs typeface="源柔ゴシック Bold" panose="020B0602020203020207" pitchFamily="50" charset="-128"/>
+              </a:rPr>
+              <a:t>）とは</a:t>
+            </a:r>
+            <a:endParaRPr kumimoji="1" lang="en-US" altLang="ja-JP" sz="2400" dirty="0">
+              <a:latin typeface="源柔ゴシック Bold" panose="020B0602020203020207" pitchFamily="50" charset="-128"/>
+              <a:ea typeface="源柔ゴシック Bold" panose="020B0602020203020207" pitchFamily="50" charset="-128"/>
+              <a:cs typeface="源柔ゴシック Bold" panose="020B0602020203020207" pitchFamily="50" charset="-128"/>
+            </a:endParaRPr>
+          </a:p>
+        </p:txBody>
+      </p:sp>
+      <p:sp>
+        <p:nvSpPr>
+          <p:cNvPr id="11" name="テキスト ボックス 10">
+            <a:extLst>
+              <a:ext uri="{FF2B5EF4-FFF2-40B4-BE49-F238E27FC236}">
+                <a16:creationId xmlns:a16="http://schemas.microsoft.com/office/drawing/2014/main" id="{978BB449-A6CF-C604-3F4B-E9AA0404AB4A}"/>
+              </a:ext>
+            </a:extLst>
+          </p:cNvPr>
+          <p:cNvSpPr txBox="1"/>
+          <p:nvPr/>
+        </p:nvSpPr>
+        <p:spPr>
+          <a:xfrm>
+            <a:off x="5916513" y="2655890"/>
+            <a:ext cx="6106353" cy="3016210"/>
+          </a:xfrm>
+          <a:prstGeom prst="rect">
+            <a:avLst/>
+          </a:prstGeom>
+          <a:noFill/>
+        </p:spPr>
+        <p:txBody>
+          <a:bodyPr wrap="square" rtlCol="0">
+            <a:spAutoFit/>
+          </a:bodyPr>
+          <a:lstStyle/>
+          <a:p>
+            <a:r>
+              <a:rPr kumimoji="1" lang="ja-JP" altLang="en-US" dirty="0">
+                <a:latin typeface="源柔ゴシック Bold" panose="020B0602020203020207" pitchFamily="50" charset="-128"/>
+                <a:ea typeface="源柔ゴシック Bold" panose="020B0602020203020207" pitchFamily="50" charset="-128"/>
+                <a:cs typeface="源柔ゴシック Bold" panose="020B0602020203020207" pitchFamily="50" charset="-128"/>
+              </a:rPr>
+              <a:t>調査国民の幸福度が</a:t>
+            </a:r>
+            <a:r>
+              <a:rPr kumimoji="1" lang="en-US" altLang="ja-JP" dirty="0">
+                <a:latin typeface="源柔ゴシック Bold" panose="020B0602020203020207" pitchFamily="50" charset="-128"/>
+                <a:ea typeface="源柔ゴシック Bold" panose="020B0602020203020207" pitchFamily="50" charset="-128"/>
+                <a:cs typeface="源柔ゴシック Bold" panose="020B0602020203020207" pitchFamily="50" charset="-128"/>
+              </a:rPr>
+              <a:t>0</a:t>
+            </a:r>
+            <a:r>
+              <a:rPr kumimoji="1" lang="ja-JP" altLang="en-US" dirty="0">
+                <a:latin typeface="源柔ゴシック Bold" panose="020B0602020203020207" pitchFamily="50" charset="-128"/>
+                <a:ea typeface="源柔ゴシック Bold" panose="020B0602020203020207" pitchFamily="50" charset="-128"/>
+                <a:cs typeface="源柔ゴシック Bold" panose="020B0602020203020207" pitchFamily="50" charset="-128"/>
+              </a:rPr>
+              <a:t>～</a:t>
+            </a:r>
+            <a:r>
+              <a:rPr kumimoji="1" lang="en-US" altLang="ja-JP" dirty="0">
+                <a:latin typeface="源柔ゴシック Bold" panose="020B0602020203020207" pitchFamily="50" charset="-128"/>
+                <a:ea typeface="源柔ゴシック Bold" panose="020B0602020203020207" pitchFamily="50" charset="-128"/>
+                <a:cs typeface="源柔ゴシック Bold" panose="020B0602020203020207" pitchFamily="50" charset="-128"/>
+              </a:rPr>
+              <a:t>10</a:t>
+            </a:r>
+            <a:r>
+              <a:rPr kumimoji="1" lang="ja-JP" altLang="en-US" dirty="0">
+                <a:latin typeface="源柔ゴシック Bold" panose="020B0602020203020207" pitchFamily="50" charset="-128"/>
+                <a:ea typeface="源柔ゴシック Bold" panose="020B0602020203020207" pitchFamily="50" charset="-128"/>
+                <a:cs typeface="源柔ゴシック Bold" panose="020B0602020203020207" pitchFamily="50" charset="-128"/>
+              </a:rPr>
+              <a:t>のどの段階にあるかを </a:t>
+            </a:r>
+            <a:endParaRPr kumimoji="1" lang="en-US" altLang="ja-JP" dirty="0">
+              <a:latin typeface="源柔ゴシック Bold" panose="020B0602020203020207" pitchFamily="50" charset="-128"/>
+              <a:ea typeface="源柔ゴシック Bold" panose="020B0602020203020207" pitchFamily="50" charset="-128"/>
+              <a:cs typeface="源柔ゴシック Bold" panose="020B0602020203020207" pitchFamily="50" charset="-128"/>
+            </a:endParaRPr>
+          </a:p>
+          <a:p>
+            <a:r>
+              <a:rPr kumimoji="1" lang="ja-JP" altLang="en-US" dirty="0">
+                <a:latin typeface="源柔ゴシック Bold" panose="020B0602020203020207" pitchFamily="50" charset="-128"/>
+                <a:ea typeface="源柔ゴシック Bold" panose="020B0602020203020207" pitchFamily="50" charset="-128"/>
+                <a:cs typeface="源柔ゴシック Bold" panose="020B0602020203020207" pitchFamily="50" charset="-128"/>
+              </a:rPr>
+              <a:t>答える国連調べの世論調査。スコアの平均値・順位の他、</a:t>
+            </a:r>
+            <a:endParaRPr kumimoji="1" lang="en-US" altLang="ja-JP" dirty="0">
+              <a:latin typeface="源柔ゴシック Bold" panose="020B0602020203020207" pitchFamily="50" charset="-128"/>
+              <a:ea typeface="源柔ゴシック Bold" panose="020B0602020203020207" pitchFamily="50" charset="-128"/>
+              <a:cs typeface="源柔ゴシック Bold" panose="020B0602020203020207" pitchFamily="50" charset="-128"/>
+            </a:endParaRPr>
+          </a:p>
+          <a:p>
+            <a:r>
+              <a:rPr kumimoji="1" lang="ja-JP" altLang="en-US" dirty="0">
+                <a:latin typeface="源柔ゴシック Bold" panose="020B0602020203020207" pitchFamily="50" charset="-128"/>
+                <a:ea typeface="源柔ゴシック Bold" panose="020B0602020203020207" pitchFamily="50" charset="-128"/>
+                <a:cs typeface="源柔ゴシック Bold" panose="020B0602020203020207" pitchFamily="50" charset="-128"/>
+              </a:rPr>
+              <a:t>以下の値を調査して指標としている：</a:t>
+            </a:r>
+            <a:endParaRPr kumimoji="1" lang="en-US" altLang="ja-JP" dirty="0">
+              <a:latin typeface="源柔ゴシック Bold" panose="020B0602020203020207" pitchFamily="50" charset="-128"/>
+              <a:ea typeface="源柔ゴシック Bold" panose="020B0602020203020207" pitchFamily="50" charset="-128"/>
+              <a:cs typeface="源柔ゴシック Bold" panose="020B0602020203020207" pitchFamily="50" charset="-128"/>
+            </a:endParaRPr>
+          </a:p>
+          <a:p>
+            <a:endParaRPr kumimoji="1" lang="en-US" altLang="ja-JP" sz="1600" dirty="0">
+              <a:latin typeface="源柔ゴシック Bold" panose="020B0602020203020207" pitchFamily="50" charset="-128"/>
+              <a:ea typeface="源柔ゴシック Bold" panose="020B0602020203020207" pitchFamily="50" charset="-128"/>
+              <a:cs typeface="源柔ゴシック Bold" panose="020B0602020203020207" pitchFamily="50" charset="-128"/>
+            </a:endParaRPr>
+          </a:p>
+          <a:p>
+            <a:r>
+              <a:rPr kumimoji="1" lang="ja-JP" altLang="en-US" sz="2000" dirty="0">
+                <a:latin typeface="源柔ゴシック Bold" panose="020B0602020203020207" pitchFamily="50" charset="-128"/>
+                <a:ea typeface="源柔ゴシック Bold" panose="020B0602020203020207" pitchFamily="50" charset="-128"/>
+                <a:cs typeface="源柔ゴシック Bold" panose="020B0602020203020207" pitchFamily="50" charset="-128"/>
+              </a:rPr>
+              <a:t>　</a:t>
+            </a:r>
+            <a:r>
+              <a:rPr kumimoji="1" lang="en-US" altLang="ja-JP" sz="2000" dirty="0">
+                <a:latin typeface="源柔ゴシック Bold" panose="020B0602020203020207" pitchFamily="50" charset="-128"/>
+                <a:ea typeface="源柔ゴシック Bold" panose="020B0602020203020207" pitchFamily="50" charset="-128"/>
+                <a:cs typeface="源柔ゴシック Bold" panose="020B0602020203020207" pitchFamily="50" charset="-128"/>
+              </a:rPr>
+              <a:t>1. </a:t>
+            </a:r>
+            <a:r>
+              <a:rPr kumimoji="1" lang="ja-JP" altLang="en-US" sz="2000" dirty="0">
+                <a:latin typeface="源柔ゴシック Bold" panose="020B0602020203020207" pitchFamily="50" charset="-128"/>
+                <a:ea typeface="源柔ゴシック Bold" panose="020B0602020203020207" pitchFamily="50" charset="-128"/>
+                <a:cs typeface="源柔ゴシック Bold" panose="020B0602020203020207" pitchFamily="50" charset="-128"/>
+              </a:rPr>
+              <a:t>人口一人当たりの</a:t>
+            </a:r>
+            <a:r>
+              <a:rPr kumimoji="1" lang="en-US" altLang="ja-JP" sz="2000" dirty="0">
+                <a:latin typeface="源柔ゴシック Bold" panose="020B0602020203020207" pitchFamily="50" charset="-128"/>
+                <a:ea typeface="源柔ゴシック Bold" panose="020B0602020203020207" pitchFamily="50" charset="-128"/>
+                <a:cs typeface="源柔ゴシック Bold" panose="020B0602020203020207" pitchFamily="50" charset="-128"/>
+              </a:rPr>
+              <a:t>GDP:</a:t>
+            </a:r>
+            <a:r>
+              <a:rPr kumimoji="1" lang="ja-JP" altLang="en-US" sz="2000" dirty="0">
+                <a:latin typeface="源柔ゴシック Bold" panose="020B0602020203020207" pitchFamily="50" charset="-128"/>
+                <a:ea typeface="源柔ゴシック Bold" panose="020B0602020203020207" pitchFamily="50" charset="-128"/>
+                <a:cs typeface="源柔ゴシック Bold" panose="020B0602020203020207" pitchFamily="50" charset="-128"/>
+              </a:rPr>
+              <a:t>国内総生産</a:t>
+            </a:r>
+            <a:endParaRPr kumimoji="1" lang="en-US" altLang="ja-JP" sz="2000" dirty="0">
+              <a:latin typeface="源柔ゴシック Bold" panose="020B0602020203020207" pitchFamily="50" charset="-128"/>
+              <a:ea typeface="源柔ゴシック Bold" panose="020B0602020203020207" pitchFamily="50" charset="-128"/>
+              <a:cs typeface="源柔ゴシック Bold" panose="020B0602020203020207" pitchFamily="50" charset="-128"/>
+            </a:endParaRPr>
+          </a:p>
+          <a:p>
+            <a:r>
+              <a:rPr kumimoji="1" lang="ja-JP" altLang="en-US" sz="2000" dirty="0">
+                <a:latin typeface="源柔ゴシック Bold" panose="020B0602020203020207" pitchFamily="50" charset="-128"/>
+                <a:ea typeface="源柔ゴシック Bold" panose="020B0602020203020207" pitchFamily="50" charset="-128"/>
+                <a:cs typeface="源柔ゴシック Bold" panose="020B0602020203020207" pitchFamily="50" charset="-128"/>
+              </a:rPr>
+              <a:t>　</a:t>
+            </a:r>
+            <a:r>
+              <a:rPr kumimoji="1" lang="en-US" altLang="ja-JP" sz="2000" dirty="0">
+                <a:latin typeface="源柔ゴシック Bold" panose="020B0602020203020207" pitchFamily="50" charset="-128"/>
+                <a:ea typeface="源柔ゴシック Bold" panose="020B0602020203020207" pitchFamily="50" charset="-128"/>
+                <a:cs typeface="源柔ゴシック Bold" panose="020B0602020203020207" pitchFamily="50" charset="-128"/>
+              </a:rPr>
+              <a:t>2. </a:t>
+            </a:r>
+            <a:r>
+              <a:rPr kumimoji="1" lang="ja-JP" altLang="en-US" sz="2000" dirty="0">
+                <a:latin typeface="源柔ゴシック Bold" panose="020B0602020203020207" pitchFamily="50" charset="-128"/>
+                <a:ea typeface="源柔ゴシック Bold" panose="020B0602020203020207" pitchFamily="50" charset="-128"/>
+                <a:cs typeface="源柔ゴシック Bold" panose="020B0602020203020207" pitchFamily="50" charset="-128"/>
+              </a:rPr>
+              <a:t>社会的支援</a:t>
+            </a:r>
+            <a:endParaRPr kumimoji="1" lang="en-US" altLang="ja-JP" sz="2000" dirty="0">
+              <a:latin typeface="源柔ゴシック Bold" panose="020B0602020203020207" pitchFamily="50" charset="-128"/>
+              <a:ea typeface="源柔ゴシック Bold" panose="020B0602020203020207" pitchFamily="50" charset="-128"/>
+              <a:cs typeface="源柔ゴシック Bold" panose="020B0602020203020207" pitchFamily="50" charset="-128"/>
+            </a:endParaRPr>
+          </a:p>
+          <a:p>
+            <a:r>
+              <a:rPr kumimoji="1" lang="ja-JP" altLang="en-US" sz="2000" dirty="0">
+                <a:latin typeface="源柔ゴシック Bold" panose="020B0602020203020207" pitchFamily="50" charset="-128"/>
+                <a:ea typeface="源柔ゴシック Bold" panose="020B0602020203020207" pitchFamily="50" charset="-128"/>
+                <a:cs typeface="源柔ゴシック Bold" panose="020B0602020203020207" pitchFamily="50" charset="-128"/>
+              </a:rPr>
+              <a:t>　</a:t>
+            </a:r>
+            <a:r>
+              <a:rPr kumimoji="1" lang="en-US" altLang="ja-JP" sz="2000" dirty="0">
+                <a:latin typeface="源柔ゴシック Bold" panose="020B0602020203020207" pitchFamily="50" charset="-128"/>
+                <a:ea typeface="源柔ゴシック Bold" panose="020B0602020203020207" pitchFamily="50" charset="-128"/>
+                <a:cs typeface="源柔ゴシック Bold" panose="020B0602020203020207" pitchFamily="50" charset="-128"/>
+              </a:rPr>
+              <a:t>3. </a:t>
+            </a:r>
+            <a:r>
+              <a:rPr kumimoji="1" lang="ja-JP" altLang="en-US" sz="2000" dirty="0">
+                <a:latin typeface="源柔ゴシック Bold" panose="020B0602020203020207" pitchFamily="50" charset="-128"/>
+                <a:ea typeface="源柔ゴシック Bold" panose="020B0602020203020207" pitchFamily="50" charset="-128"/>
+                <a:cs typeface="源柔ゴシック Bold" panose="020B0602020203020207" pitchFamily="50" charset="-128"/>
+              </a:rPr>
+              <a:t>健康寿命</a:t>
+            </a:r>
+            <a:endParaRPr kumimoji="1" lang="en-US" altLang="ja-JP" sz="2000" dirty="0">
+              <a:latin typeface="源柔ゴシック Bold" panose="020B0602020203020207" pitchFamily="50" charset="-128"/>
+              <a:ea typeface="源柔ゴシック Bold" panose="020B0602020203020207" pitchFamily="50" charset="-128"/>
+              <a:cs typeface="源柔ゴシック Bold" panose="020B0602020203020207" pitchFamily="50" charset="-128"/>
+            </a:endParaRPr>
+          </a:p>
+          <a:p>
+            <a:r>
+              <a:rPr kumimoji="1" lang="ja-JP" altLang="en-US" sz="2000" dirty="0">
+                <a:latin typeface="源柔ゴシック Bold" panose="020B0602020203020207" pitchFamily="50" charset="-128"/>
+                <a:ea typeface="源柔ゴシック Bold" panose="020B0602020203020207" pitchFamily="50" charset="-128"/>
+                <a:cs typeface="源柔ゴシック Bold" panose="020B0602020203020207" pitchFamily="50" charset="-128"/>
+              </a:rPr>
+              <a:t>　</a:t>
+            </a:r>
+            <a:r>
+              <a:rPr kumimoji="1" lang="en-US" altLang="ja-JP" sz="2000" dirty="0">
+                <a:latin typeface="源柔ゴシック Bold" panose="020B0602020203020207" pitchFamily="50" charset="-128"/>
+                <a:ea typeface="源柔ゴシック Bold" panose="020B0602020203020207" pitchFamily="50" charset="-128"/>
+                <a:cs typeface="源柔ゴシック Bold" panose="020B0602020203020207" pitchFamily="50" charset="-128"/>
+              </a:rPr>
+              <a:t>4. </a:t>
+            </a:r>
+            <a:r>
+              <a:rPr kumimoji="1" lang="ja-JP" altLang="en-US" sz="2000" dirty="0">
+                <a:latin typeface="源柔ゴシック Bold" panose="020B0602020203020207" pitchFamily="50" charset="-128"/>
+                <a:ea typeface="源柔ゴシック Bold" panose="020B0602020203020207" pitchFamily="50" charset="-128"/>
+                <a:cs typeface="源柔ゴシック Bold" panose="020B0602020203020207" pitchFamily="50" charset="-128"/>
+              </a:rPr>
+              <a:t>人生の選択の自由</a:t>
+            </a:r>
+            <a:endParaRPr kumimoji="1" lang="en-US" altLang="ja-JP" sz="2000" dirty="0">
+              <a:latin typeface="源柔ゴシック Bold" panose="020B0602020203020207" pitchFamily="50" charset="-128"/>
+              <a:ea typeface="源柔ゴシック Bold" panose="020B0602020203020207" pitchFamily="50" charset="-128"/>
+              <a:cs typeface="源柔ゴシック Bold" panose="020B0602020203020207" pitchFamily="50" charset="-128"/>
+            </a:endParaRPr>
+          </a:p>
+          <a:p>
+            <a:r>
+              <a:rPr kumimoji="1" lang="ja-JP" altLang="en-US" sz="2000" dirty="0">
+                <a:latin typeface="源柔ゴシック Bold" panose="020B0602020203020207" pitchFamily="50" charset="-128"/>
+                <a:ea typeface="源柔ゴシック Bold" panose="020B0602020203020207" pitchFamily="50" charset="-128"/>
+                <a:cs typeface="源柔ゴシック Bold" panose="020B0602020203020207" pitchFamily="50" charset="-128"/>
+              </a:rPr>
+              <a:t>　</a:t>
+            </a:r>
+            <a:r>
+              <a:rPr kumimoji="1" lang="en-US" altLang="ja-JP" sz="2000" dirty="0">
+                <a:latin typeface="源柔ゴシック Bold" panose="020B0602020203020207" pitchFamily="50" charset="-128"/>
+                <a:ea typeface="源柔ゴシック Bold" panose="020B0602020203020207" pitchFamily="50" charset="-128"/>
+                <a:cs typeface="源柔ゴシック Bold" panose="020B0602020203020207" pitchFamily="50" charset="-128"/>
+              </a:rPr>
+              <a:t>5. </a:t>
+            </a:r>
+            <a:r>
+              <a:rPr kumimoji="1" lang="ja-JP" altLang="en-US" sz="2000" dirty="0">
+                <a:latin typeface="源柔ゴシック Bold" panose="020B0602020203020207" pitchFamily="50" charset="-128"/>
+                <a:ea typeface="源柔ゴシック Bold" panose="020B0602020203020207" pitchFamily="50" charset="-128"/>
+                <a:cs typeface="源柔ゴシック Bold" panose="020B0602020203020207" pitchFamily="50" charset="-128"/>
+              </a:rPr>
+              <a:t>寛容さ</a:t>
+            </a:r>
+            <a:endParaRPr kumimoji="1" lang="en-US" altLang="ja-JP" sz="2000" dirty="0">
+              <a:latin typeface="源柔ゴシック Bold" panose="020B0602020203020207" pitchFamily="50" charset="-128"/>
+              <a:ea typeface="源柔ゴシック Bold" panose="020B0602020203020207" pitchFamily="50" charset="-128"/>
+              <a:cs typeface="源柔ゴシック Bold" panose="020B0602020203020207" pitchFamily="50" charset="-128"/>
+            </a:endParaRPr>
+          </a:p>
+          <a:p>
+            <a:r>
+              <a:rPr kumimoji="1" lang="ja-JP" altLang="en-US" sz="2000" dirty="0">
+                <a:latin typeface="源柔ゴシック Bold" panose="020B0602020203020207" pitchFamily="50" charset="-128"/>
+                <a:ea typeface="源柔ゴシック Bold" panose="020B0602020203020207" pitchFamily="50" charset="-128"/>
+                <a:cs typeface="源柔ゴシック Bold" panose="020B0602020203020207" pitchFamily="50" charset="-128"/>
+              </a:rPr>
+              <a:t>　</a:t>
+            </a:r>
+            <a:r>
+              <a:rPr kumimoji="1" lang="en-US" altLang="ja-JP" sz="2000" dirty="0">
+                <a:latin typeface="源柔ゴシック Bold" panose="020B0602020203020207" pitchFamily="50" charset="-128"/>
+                <a:ea typeface="源柔ゴシック Bold" panose="020B0602020203020207" pitchFamily="50" charset="-128"/>
+                <a:cs typeface="源柔ゴシック Bold" panose="020B0602020203020207" pitchFamily="50" charset="-128"/>
+              </a:rPr>
+              <a:t>6. </a:t>
+            </a:r>
+            <a:r>
+              <a:rPr kumimoji="1" lang="ja-JP" altLang="en-US" sz="2000" dirty="0">
+                <a:latin typeface="源柔ゴシック Bold" panose="020B0602020203020207" pitchFamily="50" charset="-128"/>
+                <a:ea typeface="源柔ゴシック Bold" panose="020B0602020203020207" pitchFamily="50" charset="-128"/>
+                <a:cs typeface="源柔ゴシック Bold" panose="020B0602020203020207" pitchFamily="50" charset="-128"/>
+              </a:rPr>
+              <a:t>腐敗の認識</a:t>
+            </a:r>
+            <a:endParaRPr kumimoji="1" lang="en-US" altLang="ja-JP" sz="2000" dirty="0">
+              <a:latin typeface="源柔ゴシック Bold" panose="020B0602020203020207" pitchFamily="50" charset="-128"/>
+              <a:ea typeface="源柔ゴシック Bold" panose="020B0602020203020207" pitchFamily="50" charset="-128"/>
+              <a:cs typeface="源柔ゴシック Bold" panose="020B0602020203020207" pitchFamily="50" charset="-128"/>
+            </a:endParaRPr>
+          </a:p>
+        </p:txBody>
+      </p:sp>
+      <p:pic>
+        <p:nvPicPr>
+          <p:cNvPr id="3" name="図 2">
+            <a:extLst>
+              <a:ext uri="{FF2B5EF4-FFF2-40B4-BE49-F238E27FC236}">
+                <a16:creationId xmlns:a16="http://schemas.microsoft.com/office/drawing/2014/main" id="{7FD2F28E-9833-068C-0480-4A765A927E9F}"/>
+              </a:ext>
+            </a:extLst>
+          </p:cNvPr>
+          <p:cNvPicPr>
+            <a:picLocks noChangeAspect="1"/>
+          </p:cNvPicPr>
+          <p:nvPr/>
+        </p:nvPicPr>
+        <p:blipFill>
+          <a:blip r:embed="rId2">
+            <a:extLst>
+              <a:ext uri="{28A0092B-C50C-407E-A947-70E740481C1C}">
+                <a14:useLocalDpi xmlns:a14="http://schemas.microsoft.com/office/drawing/2010/main" val="0"/>
+              </a:ext>
+            </a:extLst>
+          </a:blip>
+          <a:stretch>
+            <a:fillRect/>
+          </a:stretch>
+        </p:blipFill>
+        <p:spPr>
+          <a:xfrm>
+            <a:off x="935182" y="808865"/>
+            <a:ext cx="4289225" cy="5551196"/>
+          </a:xfrm>
+          <a:prstGeom prst="rect">
+            <a:avLst/>
+          </a:prstGeom>
+        </p:spPr>
+      </p:pic>
+      <p:sp>
+        <p:nvSpPr>
+          <p:cNvPr id="14" name="日付プレースホルダー 3">
+            <a:extLst>
+              <a:ext uri="{FF2B5EF4-FFF2-40B4-BE49-F238E27FC236}">
+                <a16:creationId xmlns:a16="http://schemas.microsoft.com/office/drawing/2014/main" id="{FD18D104-8A76-0C0B-4A8F-44F3F8A8783B}"/>
+              </a:ext>
+            </a:extLst>
+          </p:cNvPr>
+          <p:cNvSpPr>
+            <a:spLocks noGrp="1"/>
+          </p:cNvSpPr>
+          <p:nvPr>
+            <p:ph type="dt" sz="half" idx="10"/>
+          </p:nvPr>
+        </p:nvSpPr>
+        <p:spPr>
+          <a:xfrm>
+            <a:off x="9506898" y="6474981"/>
+            <a:ext cx="2584850" cy="365125"/>
+          </a:xfrm>
+        </p:spPr>
+        <p:txBody>
+          <a:bodyPr/>
+          <a:lstStyle/>
+          <a:p>
+            <a:pPr rtl="0"/>
+            <a:fld id="{6BB10D81-EB47-474E-AFE6-F10ABA500AD1}" type="datetime1">
+              <a:rPr lang="ja-JP" altLang="en-US" smtClean="0"/>
+              <a:t>2023/3/13</a:t>
+            </a:fld>
+            <a:endParaRPr lang="en-US" dirty="0"/>
+          </a:p>
+        </p:txBody>
+      </p:sp>
+    </p:spTree>
+    <p:extLst>
+      <p:ext uri="{BB962C8B-B14F-4D97-AF65-F5344CB8AC3E}">
+        <p14:creationId xmlns:p14="http://schemas.microsoft.com/office/powerpoint/2010/main" val="1015671669"/>
+      </p:ext>
+    </p:extLst>
+  </p:cSld>
+  <p:clrMapOvr>
+    <a:masterClrMapping/>
+  </p:clrMapOvr>
+</p:sld>
+</file>
+
+<file path=ppt/slides/slide3.xml><?xml version="1.0" encoding="utf-8"?>
+<p:sld xmlns:a="http://schemas.openxmlformats.org/drawingml/2006/main" xmlns:r="http://schemas.openxmlformats.org/officeDocument/2006/relationships" xmlns:p="http://schemas.openxmlformats.org/presentationml/2006/main">
+  <p:cSld>
+    <p:spTree>
+      <p:nvGrpSpPr>
+        <p:cNvPr id="1" name=""/>
+        <p:cNvGrpSpPr/>
+        <p:nvPr/>
+      </p:nvGrpSpPr>
+      <p:grpSpPr>
+        <a:xfrm>
+          <a:off x="0" y="0"/>
+          <a:ext cx="0" cy="0"/>
+          <a:chOff x="0" y="0"/>
+          <a:chExt cx="0" cy="0"/>
+        </a:xfrm>
+      </p:grpSpPr>
+      <p:sp>
+        <p:nvSpPr>
           <p:cNvPr id="4" name="日付プレースホルダー 3">
             <a:extLst>
               <a:ext uri="{FF2B5EF4-FFF2-40B4-BE49-F238E27FC236}">
@@ -5060,7 +5604,7 @@
         </p:nvSpPr>
         <p:spPr>
           <a:xfrm>
-            <a:off x="6701353" y="6783820"/>
+            <a:off x="9506898" y="6474981"/>
             <a:ext cx="2584850" cy="365125"/>
           </a:xfrm>
         </p:spPr>
@@ -5071,7 +5615,293 @@
             <a:pPr rtl="0"/>
             <a:fld id="{6BB10D81-EB47-474E-AFE6-F10ABA500AD1}" type="datetime1">
               <a:rPr lang="ja-JP" altLang="en-US" smtClean="0"/>
-              <a:t>2023/3/12</a:t>
+              <a:t>2023/3/13</a:t>
+            </a:fld>
+            <a:endParaRPr lang="en-US" dirty="0"/>
+          </a:p>
+        </p:txBody>
+      </p:sp>
+      <p:sp>
+        <p:nvSpPr>
+          <p:cNvPr id="9" name="テキスト ボックス 8">
+            <a:extLst>
+              <a:ext uri="{FF2B5EF4-FFF2-40B4-BE49-F238E27FC236}">
+                <a16:creationId xmlns:a16="http://schemas.microsoft.com/office/drawing/2014/main" id="{0670BE5B-DE21-572A-B994-A9D5A200B6AB}"/>
+              </a:ext>
+            </a:extLst>
+          </p:cNvPr>
+          <p:cNvSpPr txBox="1"/>
+          <p:nvPr/>
+        </p:nvSpPr>
+        <p:spPr>
+          <a:xfrm>
+            <a:off x="125845" y="316790"/>
+            <a:ext cx="11582399" cy="769441"/>
+          </a:xfrm>
+          <a:prstGeom prst="rect">
+            <a:avLst/>
+          </a:prstGeom>
+          <a:noFill/>
+        </p:spPr>
+        <p:txBody>
+          <a:bodyPr wrap="square" rtlCol="0">
+            <a:spAutoFit/>
+          </a:bodyPr>
+          <a:lstStyle/>
+          <a:p>
+            <a:pPr algn="ctr"/>
+            <a:r>
+              <a:rPr kumimoji="1" lang="ja-JP" altLang="en-US" sz="4400" dirty="0">
+                <a:latin typeface="源柔ゴシック Bold" panose="020B0602020203020207" pitchFamily="50" charset="-128"/>
+                <a:ea typeface="源柔ゴシック Bold" panose="020B0602020203020207" pitchFamily="50" charset="-128"/>
+                <a:cs typeface="源柔ゴシック Bold" panose="020B0602020203020207" pitchFamily="50" charset="-128"/>
+              </a:rPr>
+              <a:t>分析したいこと</a:t>
+            </a:r>
+          </a:p>
+        </p:txBody>
+      </p:sp>
+      <p:sp>
+        <p:nvSpPr>
+          <p:cNvPr id="12" name="テキスト ボックス 11">
+            <a:extLst>
+              <a:ext uri="{FF2B5EF4-FFF2-40B4-BE49-F238E27FC236}">
+                <a16:creationId xmlns:a16="http://schemas.microsoft.com/office/drawing/2014/main" id="{AC1F4013-0B5C-8DC3-E941-A7DE9CBA6D63}"/>
+              </a:ext>
+            </a:extLst>
+          </p:cNvPr>
+          <p:cNvSpPr txBox="1"/>
+          <p:nvPr/>
+        </p:nvSpPr>
+        <p:spPr>
+          <a:xfrm>
+            <a:off x="641350" y="4386774"/>
+            <a:ext cx="10909298" cy="1384995"/>
+          </a:xfrm>
+          <a:prstGeom prst="rect">
+            <a:avLst/>
+          </a:prstGeom>
+          <a:noFill/>
+        </p:spPr>
+        <p:txBody>
+          <a:bodyPr wrap="square" rtlCol="0">
+            <a:spAutoFit/>
+          </a:bodyPr>
+          <a:lstStyle/>
+          <a:p>
+            <a:pPr algn="ctr"/>
+            <a:r>
+              <a:rPr kumimoji="1" lang="ja-JP" altLang="en-US" sz="3600" dirty="0">
+                <a:latin typeface="源柔ゴシック Bold" panose="020B0602020203020207" pitchFamily="50" charset="-128"/>
+                <a:ea typeface="源柔ゴシック Bold" panose="020B0602020203020207" pitchFamily="50" charset="-128"/>
+                <a:cs typeface="源柔ゴシック Bold" panose="020B0602020203020207" pitchFamily="50" charset="-128"/>
+              </a:rPr>
+              <a:t>具体的には：</a:t>
+            </a:r>
+            <a:endParaRPr kumimoji="1" lang="en-US" altLang="ja-JP" sz="3600" dirty="0">
+              <a:latin typeface="源柔ゴシック Bold" panose="020B0602020203020207" pitchFamily="50" charset="-128"/>
+              <a:ea typeface="源柔ゴシック Bold" panose="020B0602020203020207" pitchFamily="50" charset="-128"/>
+              <a:cs typeface="源柔ゴシック Bold" panose="020B0602020203020207" pitchFamily="50" charset="-128"/>
+            </a:endParaRPr>
+          </a:p>
+          <a:p>
+            <a:pPr marL="342900" indent="-342900" algn="ctr">
+              <a:buAutoNum type="arabicPeriod"/>
+            </a:pPr>
+            <a:r>
+              <a:rPr kumimoji="1" lang="ja-JP" altLang="en-US" sz="2400" dirty="0">
+                <a:latin typeface="源柔ゴシック Bold" panose="020B0602020203020207" pitchFamily="50" charset="-128"/>
+                <a:ea typeface="源柔ゴシック Bold" panose="020B0602020203020207" pitchFamily="50" charset="-128"/>
+                <a:cs typeface="源柔ゴシック Bold" panose="020B0602020203020207" pitchFamily="50" charset="-128"/>
+              </a:rPr>
+              <a:t>国家グループごとに幸福度・指標に有意な違いがあるか</a:t>
+            </a:r>
+          </a:p>
+          <a:p>
+            <a:pPr algn="ctr"/>
+            <a:r>
+              <a:rPr kumimoji="1" lang="en-US" altLang="ja-JP" sz="2400" dirty="0">
+                <a:latin typeface="源柔ゴシック Bold" panose="020B0602020203020207" pitchFamily="50" charset="-128"/>
+                <a:ea typeface="源柔ゴシック Bold" panose="020B0602020203020207" pitchFamily="50" charset="-128"/>
+                <a:cs typeface="源柔ゴシック Bold" panose="020B0602020203020207" pitchFamily="50" charset="-128"/>
+              </a:rPr>
+              <a:t>2.</a:t>
+            </a:r>
+            <a:r>
+              <a:rPr kumimoji="1" lang="ja-JP" altLang="en-US" sz="2400" dirty="0">
+                <a:latin typeface="源柔ゴシック Bold" panose="020B0602020203020207" pitchFamily="50" charset="-128"/>
+                <a:ea typeface="源柔ゴシック Bold" panose="020B0602020203020207" pitchFamily="50" charset="-128"/>
+                <a:cs typeface="源柔ゴシック Bold" panose="020B0602020203020207" pitchFamily="50" charset="-128"/>
+              </a:rPr>
+              <a:t>  </a:t>
+            </a:r>
+            <a:r>
+              <a:rPr kumimoji="1" lang="en-US" altLang="ja-JP" sz="2400" dirty="0">
+                <a:latin typeface="源柔ゴシック Bold" panose="020B0602020203020207" pitchFamily="50" charset="-128"/>
+                <a:ea typeface="源柔ゴシック Bold" panose="020B0602020203020207" pitchFamily="50" charset="-128"/>
+                <a:cs typeface="源柔ゴシック Bold" panose="020B0602020203020207" pitchFamily="50" charset="-128"/>
+              </a:rPr>
+              <a:t> </a:t>
+            </a:r>
+            <a:r>
+              <a:rPr kumimoji="1" lang="ja-JP" altLang="en-US" sz="2400" dirty="0">
+                <a:latin typeface="源柔ゴシック Bold" panose="020B0602020203020207" pitchFamily="50" charset="-128"/>
+                <a:ea typeface="源柔ゴシック Bold" panose="020B0602020203020207" pitchFamily="50" charset="-128"/>
+                <a:cs typeface="源柔ゴシック Bold" panose="020B0602020203020207" pitchFamily="50" charset="-128"/>
+              </a:rPr>
+              <a:t>日本国の幸福度・指標はどのような地位に相当するか</a:t>
+            </a:r>
+          </a:p>
+        </p:txBody>
+      </p:sp>
+      <p:sp>
+        <p:nvSpPr>
+          <p:cNvPr id="5" name="テキスト ボックス 4">
+            <a:extLst>
+              <a:ext uri="{FF2B5EF4-FFF2-40B4-BE49-F238E27FC236}">
+                <a16:creationId xmlns:a16="http://schemas.microsoft.com/office/drawing/2014/main" id="{CCCC4712-3BBE-C3B0-4794-F81A17BD2165}"/>
+              </a:ext>
+            </a:extLst>
+          </p:cNvPr>
+          <p:cNvSpPr txBox="1"/>
+          <p:nvPr/>
+        </p:nvSpPr>
+        <p:spPr>
+          <a:xfrm>
+            <a:off x="1187450" y="1662699"/>
+            <a:ext cx="9817099" cy="1569660"/>
+          </a:xfrm>
+          <a:prstGeom prst="rect">
+            <a:avLst/>
+          </a:prstGeom>
+          <a:noFill/>
+        </p:spPr>
+        <p:txBody>
+          <a:bodyPr wrap="square" rtlCol="0">
+            <a:spAutoFit/>
+          </a:bodyPr>
+          <a:lstStyle/>
+          <a:p>
+            <a:pPr algn="ctr"/>
+            <a:r>
+              <a:rPr kumimoji="1" lang="en-US" altLang="ja-JP" sz="4800" dirty="0">
+                <a:latin typeface="源柔ゴシック Bold" panose="020B0602020203020207" pitchFamily="50" charset="-128"/>
+                <a:ea typeface="源柔ゴシック Bold" panose="020B0602020203020207" pitchFamily="50" charset="-128"/>
+                <a:cs typeface="源柔ゴシック Bold" panose="020B0602020203020207" pitchFamily="50" charset="-128"/>
+              </a:rPr>
+              <a:t>”</a:t>
+            </a:r>
+            <a:r>
+              <a:rPr kumimoji="1" lang="ja-JP" altLang="en-US" sz="4800" dirty="0">
+                <a:latin typeface="源柔ゴシック Bold" panose="020B0602020203020207" pitchFamily="50" charset="-128"/>
+                <a:ea typeface="源柔ゴシック Bold" panose="020B0602020203020207" pitchFamily="50" charset="-128"/>
+                <a:cs typeface="源柔ゴシック Bold" panose="020B0602020203020207" pitchFamily="50" charset="-128"/>
+              </a:rPr>
+              <a:t>皆と私は、どのくらい幸せ？？</a:t>
+            </a:r>
+            <a:r>
+              <a:rPr kumimoji="1" lang="en-US" altLang="ja-JP" sz="4800" dirty="0">
+                <a:latin typeface="源柔ゴシック Bold" panose="020B0602020203020207" pitchFamily="50" charset="-128"/>
+                <a:ea typeface="源柔ゴシック Bold" panose="020B0602020203020207" pitchFamily="50" charset="-128"/>
+                <a:cs typeface="源柔ゴシック Bold" panose="020B0602020203020207" pitchFamily="50" charset="-128"/>
+              </a:rPr>
+              <a:t>”</a:t>
+            </a:r>
+          </a:p>
+          <a:p>
+            <a:pPr algn="ctr"/>
+            <a:r>
+              <a:rPr kumimoji="1" lang="en-US" altLang="ja-JP" sz="4800" dirty="0">
+                <a:latin typeface="源柔ゴシック Bold" panose="020B0602020203020207" pitchFamily="50" charset="-128"/>
+                <a:ea typeface="源柔ゴシック Bold" panose="020B0602020203020207" pitchFamily="50" charset="-128"/>
+                <a:cs typeface="源柔ゴシック Bold" panose="020B0602020203020207" pitchFamily="50" charset="-128"/>
+              </a:rPr>
+              <a:t>”</a:t>
+            </a:r>
+            <a:r>
+              <a:rPr kumimoji="1" lang="ja-JP" altLang="en-US" sz="4800" dirty="0">
+                <a:latin typeface="源柔ゴシック Bold" panose="020B0602020203020207" pitchFamily="50" charset="-128"/>
+                <a:ea typeface="源柔ゴシック Bold" panose="020B0602020203020207" pitchFamily="50" charset="-128"/>
+                <a:cs typeface="源柔ゴシック Bold" panose="020B0602020203020207" pitchFamily="50" charset="-128"/>
+              </a:rPr>
+              <a:t> 本当の幸せって、何？？</a:t>
+            </a:r>
+            <a:r>
+              <a:rPr kumimoji="1" lang="en-US" altLang="ja-JP" sz="4800" dirty="0">
+                <a:latin typeface="源柔ゴシック Bold" panose="020B0602020203020207" pitchFamily="50" charset="-128"/>
+                <a:ea typeface="源柔ゴシック Bold" panose="020B0602020203020207" pitchFamily="50" charset="-128"/>
+                <a:cs typeface="源柔ゴシック Bold" panose="020B0602020203020207" pitchFamily="50" charset="-128"/>
+              </a:rPr>
+              <a:t>”</a:t>
+            </a:r>
+            <a:endParaRPr kumimoji="1" lang="ja-JP" altLang="en-US" sz="4800" dirty="0">
+              <a:latin typeface="源柔ゴシック Bold" panose="020B0602020203020207" pitchFamily="50" charset="-128"/>
+              <a:ea typeface="源柔ゴシック Bold" panose="020B0602020203020207" pitchFamily="50" charset="-128"/>
+              <a:cs typeface="源柔ゴシック Bold" panose="020B0602020203020207" pitchFamily="50" charset="-128"/>
+            </a:endParaRPr>
+          </a:p>
+        </p:txBody>
+      </p:sp>
+    </p:spTree>
+    <p:extLst>
+      <p:ext uri="{BB962C8B-B14F-4D97-AF65-F5344CB8AC3E}">
+        <p14:creationId xmlns:p14="http://schemas.microsoft.com/office/powerpoint/2010/main" val="1175864801"/>
+      </p:ext>
+    </p:extLst>
+  </p:cSld>
+  <p:clrMapOvr>
+    <a:masterClrMapping/>
+  </p:clrMapOvr>
+</p:sld>
+</file>
+
+<file path=ppt/slides/slide4.xml><?xml version="1.0" encoding="utf-8"?>
+<p:sld xmlns:a="http://schemas.openxmlformats.org/drawingml/2006/main" xmlns:r="http://schemas.openxmlformats.org/officeDocument/2006/relationships" xmlns:p="http://schemas.openxmlformats.org/presentationml/2006/main">
+  <p:cSld>
+    <p:spTree>
+      <p:nvGrpSpPr>
+        <p:cNvPr id="1" name=""/>
+        <p:cNvGrpSpPr/>
+        <p:nvPr/>
+      </p:nvGrpSpPr>
+      <p:grpSpPr>
+        <a:xfrm>
+          <a:off x="0" y="0"/>
+          <a:ext cx="0" cy="0"/>
+          <a:chOff x="0" y="0"/>
+          <a:chExt cx="0" cy="0"/>
+        </a:xfrm>
+      </p:grpSpPr>
+      <p:sp>
+        <p:nvSpPr>
+          <p:cNvPr id="4" name="日付プレースホルダー 3">
+            <a:extLst>
+              <a:ext uri="{FF2B5EF4-FFF2-40B4-BE49-F238E27FC236}">
+                <a16:creationId xmlns:a16="http://schemas.microsoft.com/office/drawing/2014/main" id="{1290878F-5F56-B0DA-50CA-30E63FF82768}"/>
+              </a:ext>
+            </a:extLst>
+          </p:cNvPr>
+          <p:cNvSpPr>
+            <a:spLocks noGrp="1"/>
+          </p:cNvSpPr>
+          <p:nvPr>
+            <p:ph type="dt" sz="half" idx="10"/>
+          </p:nvPr>
+        </p:nvSpPr>
+        <p:spPr>
+          <a:xfrm>
+            <a:off x="9567804" y="6491016"/>
+            <a:ext cx="2584850" cy="365125"/>
+          </a:xfrm>
+        </p:spPr>
+        <p:txBody>
+          <a:bodyPr/>
+          <a:lstStyle/>
+          <a:p>
+            <a:pPr rtl="0"/>
+            <a:fld id="{6BB10D81-EB47-474E-AFE6-F10ABA500AD1}" type="datetime1">
+              <a:rPr lang="ja-JP" altLang="en-US" smtClean="0"/>
+              <a:t>2023/3/13</a:t>
             </a:fld>
             <a:endParaRPr lang="en-US" dirty="0"/>
           </a:p>
@@ -5127,7 +5957,7 @@
         </p:nvSpPr>
         <p:spPr>
           <a:xfrm>
-            <a:off x="138545" y="200456"/>
+            <a:off x="138545" y="292908"/>
             <a:ext cx="11582399" cy="584775"/>
           </a:xfrm>
           <a:prstGeom prst="rect">
@@ -5167,8 +5997,8 @@
         </p:nvSpPr>
         <p:spPr>
           <a:xfrm>
-            <a:off x="5778591" y="972988"/>
-            <a:ext cx="6267936" cy="1015663"/>
+            <a:off x="5924064" y="849617"/>
+            <a:ext cx="6267936" cy="1200329"/>
           </a:xfrm>
           <a:prstGeom prst="rect">
             <a:avLst/>
@@ -5182,7 +6012,7 @@
           <a:lstStyle/>
           <a:p>
             <a:pPr algn="ctr"/>
-            <a:endParaRPr kumimoji="1" lang="en-US" altLang="ja-JP" sz="2000" dirty="0">
+            <a:endParaRPr kumimoji="1" lang="en-US" altLang="ja-JP" sz="2400" dirty="0">
               <a:latin typeface="源柔ゴシック Bold" panose="020B0602020203020207" pitchFamily="50" charset="-128"/>
               <a:ea typeface="源柔ゴシック Bold" panose="020B0602020203020207" pitchFamily="50" charset="-128"/>
               <a:cs typeface="源柔ゴシック Bold" panose="020B0602020203020207" pitchFamily="50" charset="-128"/>
@@ -5191,7 +6021,7 @@
           <a:p>
             <a:pPr algn="ctr"/>
             <a:r>
-              <a:rPr kumimoji="1" lang="en-US" altLang="ja-JP" sz="2000" dirty="0">
+              <a:rPr kumimoji="1" lang="en-US" altLang="ja-JP" sz="2400" dirty="0">
                 <a:latin typeface="源柔ゴシック Bold" panose="020B0602020203020207" pitchFamily="50" charset="-128"/>
                 <a:ea typeface="源柔ゴシック Bold" panose="020B0602020203020207" pitchFamily="50" charset="-128"/>
                 <a:cs typeface="源柔ゴシック Bold" panose="020B0602020203020207" pitchFamily="50" charset="-128"/>
@@ -5199,7 +6029,7 @@
               <a:t>BRICS</a:t>
             </a:r>
             <a:r>
-              <a:rPr kumimoji="1" lang="ja-JP" altLang="en-US" sz="2000" dirty="0">
+              <a:rPr kumimoji="1" lang="ja-JP" altLang="en-US" sz="2400" dirty="0">
                 <a:latin typeface="源柔ゴシック Bold" panose="020B0602020203020207" pitchFamily="50" charset="-128"/>
                 <a:ea typeface="源柔ゴシック Bold" panose="020B0602020203020207" pitchFamily="50" charset="-128"/>
                 <a:cs typeface="源柔ゴシック Bold" panose="020B0602020203020207" pitchFamily="50" charset="-128"/>
@@ -5207,7 +6037,7 @@
               <a:t>、</a:t>
             </a:r>
             <a:r>
-              <a:rPr kumimoji="1" lang="en-US" altLang="ja-JP" sz="2000" dirty="0">
+              <a:rPr kumimoji="1" lang="en-US" altLang="ja-JP" sz="2400" dirty="0">
                 <a:latin typeface="源柔ゴシック Bold" panose="020B0602020203020207" pitchFamily="50" charset="-128"/>
                 <a:ea typeface="源柔ゴシック Bold" panose="020B0602020203020207" pitchFamily="50" charset="-128"/>
                 <a:cs typeface="源柔ゴシック Bold" panose="020B0602020203020207" pitchFamily="50" charset="-128"/>
@@ -5215,7 +6045,7 @@
               <a:t>G20</a:t>
             </a:r>
             <a:r>
-              <a:rPr kumimoji="1" lang="ja-JP" altLang="en-US" sz="2000" dirty="0">
+              <a:rPr kumimoji="1" lang="ja-JP" altLang="en-US" sz="2400" dirty="0">
                 <a:latin typeface="源柔ゴシック Bold" panose="020B0602020203020207" pitchFamily="50" charset="-128"/>
                 <a:ea typeface="源柔ゴシック Bold" panose="020B0602020203020207" pitchFamily="50" charset="-128"/>
                 <a:cs typeface="源柔ゴシック Bold" panose="020B0602020203020207" pitchFamily="50" charset="-128"/>
@@ -5223,7 +6053,7 @@
               <a:t>、</a:t>
             </a:r>
             <a:r>
-              <a:rPr kumimoji="1" lang="en-US" altLang="ja-JP" sz="2000" dirty="0">
+              <a:rPr kumimoji="1" lang="en-US" altLang="ja-JP" sz="2400" dirty="0">
                 <a:latin typeface="源柔ゴシック Bold" panose="020B0602020203020207" pitchFamily="50" charset="-128"/>
                 <a:ea typeface="源柔ゴシック Bold" panose="020B0602020203020207" pitchFamily="50" charset="-128"/>
                 <a:cs typeface="源柔ゴシック Bold" panose="020B0602020203020207" pitchFamily="50" charset="-128"/>
@@ -5231,7 +6061,7 @@
               <a:t>G7</a:t>
             </a:r>
             <a:r>
-              <a:rPr kumimoji="1" lang="ja-JP" altLang="en-US" sz="2000" dirty="0">
+              <a:rPr kumimoji="1" lang="ja-JP" altLang="en-US" sz="2400" dirty="0">
                 <a:latin typeface="源柔ゴシック Bold" panose="020B0602020203020207" pitchFamily="50" charset="-128"/>
                 <a:ea typeface="源柔ゴシック Bold" panose="020B0602020203020207" pitchFamily="50" charset="-128"/>
                 <a:cs typeface="源柔ゴシック Bold" panose="020B0602020203020207" pitchFamily="50" charset="-128"/>
@@ -5239,7 +6069,7 @@
               <a:t>、北欧理事会</a:t>
             </a:r>
             <a:r>
-              <a:rPr kumimoji="1" lang="en-US" altLang="ja-JP" sz="2000" dirty="0">
+              <a:rPr kumimoji="1" lang="en-US" altLang="ja-JP" sz="2400" dirty="0">
                 <a:latin typeface="源柔ゴシック Bold" panose="020B0602020203020207" pitchFamily="50" charset="-128"/>
                 <a:ea typeface="源柔ゴシック Bold" panose="020B0602020203020207" pitchFamily="50" charset="-128"/>
                 <a:cs typeface="源柔ゴシック Bold" panose="020B0602020203020207" pitchFamily="50" charset="-128"/>
@@ -5247,14 +6077,14 @@
               <a:t>(NC)</a:t>
             </a:r>
             <a:r>
-              <a:rPr kumimoji="1" lang="ja-JP" altLang="en-US" sz="2000" dirty="0">
+              <a:rPr kumimoji="1" lang="ja-JP" altLang="en-US" sz="2400" dirty="0">
                 <a:latin typeface="源柔ゴシック Bold" panose="020B0602020203020207" pitchFamily="50" charset="-128"/>
                 <a:ea typeface="源柔ゴシック Bold" panose="020B0602020203020207" pitchFamily="50" charset="-128"/>
                 <a:cs typeface="源柔ゴシック Bold" panose="020B0602020203020207" pitchFamily="50" charset="-128"/>
               </a:rPr>
               <a:t>、</a:t>
             </a:r>
-            <a:endParaRPr kumimoji="1" lang="en-US" altLang="ja-JP" sz="2000" dirty="0">
+            <a:endParaRPr kumimoji="1" lang="en-US" altLang="ja-JP" sz="2400" dirty="0">
               <a:latin typeface="源柔ゴシック Bold" panose="020B0602020203020207" pitchFamily="50" charset="-128"/>
               <a:ea typeface="源柔ゴシック Bold" panose="020B0602020203020207" pitchFamily="50" charset="-128"/>
               <a:cs typeface="源柔ゴシック Bold" panose="020B0602020203020207" pitchFamily="50" charset="-128"/>
@@ -5263,14 +6093,14 @@
           <a:p>
             <a:pPr algn="ctr"/>
             <a:r>
-              <a:rPr kumimoji="1" lang="ja-JP" altLang="en-US" sz="2000" dirty="0">
+              <a:rPr kumimoji="1" lang="ja-JP" altLang="en-US" sz="2400" dirty="0">
                 <a:latin typeface="源柔ゴシック Bold" panose="020B0602020203020207" pitchFamily="50" charset="-128"/>
                 <a:ea typeface="源柔ゴシック Bold" panose="020B0602020203020207" pitchFamily="50" charset="-128"/>
                 <a:cs typeface="源柔ゴシック Bold" panose="020B0602020203020207" pitchFamily="50" charset="-128"/>
               </a:rPr>
               <a:t>その他の国の幸福度の分布</a:t>
             </a:r>
-            <a:endParaRPr kumimoji="1" lang="en-US" altLang="ja-JP" sz="2000" dirty="0">
+            <a:endParaRPr kumimoji="1" lang="en-US" altLang="ja-JP" sz="2400" dirty="0">
               <a:latin typeface="源柔ゴシック Bold" panose="020B0602020203020207" pitchFamily="50" charset="-128"/>
               <a:ea typeface="源柔ゴシック Bold" panose="020B0602020203020207" pitchFamily="50" charset="-128"/>
               <a:cs typeface="源柔ゴシック Bold" panose="020B0602020203020207" pitchFamily="50" charset="-128"/>
@@ -5292,7 +6122,7 @@
         </p:nvSpPr>
         <p:spPr>
           <a:xfrm>
-            <a:off x="6701353" y="2342750"/>
+            <a:off x="6701353" y="2509019"/>
             <a:ext cx="5732903" cy="1815882"/>
           </a:xfrm>
           <a:prstGeom prst="rect">
@@ -5562,7 +6392,7 @@
                 <a:ea typeface="源柔ゴシック Bold" panose="020B0602020203020207" pitchFamily="50" charset="-128"/>
                 <a:cs typeface="源柔ゴシック Bold" panose="020B0602020203020207" pitchFamily="50" charset="-128"/>
               </a:rPr>
-              <a:t>が実際どれほど幸福度の向上に寄しているかを分析する</a:t>
+              <a:t>が実際どれほど幸福度の向上に寄しているかを分析</a:t>
             </a:r>
           </a:p>
         </p:txBody>
@@ -5570,7 +6400,491 @@
     </p:spTree>
     <p:extLst>
       <p:ext uri="{BB962C8B-B14F-4D97-AF65-F5344CB8AC3E}">
-        <p14:creationId xmlns:p14="http://schemas.microsoft.com/office/powerpoint/2010/main" val="1015671669"/>
+        <p14:creationId xmlns:p14="http://schemas.microsoft.com/office/powerpoint/2010/main" val="1955728568"/>
+      </p:ext>
+    </p:extLst>
+  </p:cSld>
+  <p:clrMapOvr>
+    <a:masterClrMapping/>
+  </p:clrMapOvr>
+</p:sld>
+</file>
+
+<file path=ppt/slides/slide5.xml><?xml version="1.0" encoding="utf-8"?>
+<p:sld xmlns:a="http://schemas.openxmlformats.org/drawingml/2006/main" xmlns:r="http://schemas.openxmlformats.org/officeDocument/2006/relationships" xmlns:p="http://schemas.openxmlformats.org/presentationml/2006/main">
+  <p:cSld>
+    <p:spTree>
+      <p:nvGrpSpPr>
+        <p:cNvPr id="1" name=""/>
+        <p:cNvGrpSpPr/>
+        <p:nvPr/>
+      </p:nvGrpSpPr>
+      <p:grpSpPr>
+        <a:xfrm>
+          <a:off x="0" y="0"/>
+          <a:ext cx="0" cy="0"/>
+          <a:chOff x="0" y="0"/>
+          <a:chExt cx="0" cy="0"/>
+        </a:xfrm>
+      </p:grpSpPr>
+      <p:pic>
+        <p:nvPicPr>
+          <p:cNvPr id="3" name="図 2">
+            <a:extLst>
+              <a:ext uri="{FF2B5EF4-FFF2-40B4-BE49-F238E27FC236}">
+                <a16:creationId xmlns:a16="http://schemas.microsoft.com/office/drawing/2014/main" id="{D2B92BFB-F7DA-A731-6514-A05E5C377E03}"/>
+              </a:ext>
+            </a:extLst>
+          </p:cNvPr>
+          <p:cNvPicPr>
+            <a:picLocks noChangeAspect="1"/>
+          </p:cNvPicPr>
+          <p:nvPr/>
+        </p:nvPicPr>
+        <p:blipFill>
+          <a:blip r:embed="rId2">
+            <a:extLst>
+              <a:ext uri="{28A0092B-C50C-407E-A947-70E740481C1C}">
+                <a14:useLocalDpi xmlns:a14="http://schemas.microsoft.com/office/drawing/2010/main" val="0"/>
+              </a:ext>
+            </a:extLst>
+          </a:blip>
+          <a:stretch>
+            <a:fillRect/>
+          </a:stretch>
+        </p:blipFill>
+        <p:spPr>
+          <a:xfrm>
+            <a:off x="-1423454" y="292908"/>
+            <a:ext cx="7347518" cy="5943534"/>
+          </a:xfrm>
+          <a:prstGeom prst="rect">
+            <a:avLst/>
+          </a:prstGeom>
+        </p:spPr>
+      </p:pic>
+      <p:sp>
+        <p:nvSpPr>
+          <p:cNvPr id="4" name="日付プレースホルダー 3">
+            <a:extLst>
+              <a:ext uri="{FF2B5EF4-FFF2-40B4-BE49-F238E27FC236}">
+                <a16:creationId xmlns:a16="http://schemas.microsoft.com/office/drawing/2014/main" id="{1290878F-5F56-B0DA-50CA-30E63FF82768}"/>
+              </a:ext>
+            </a:extLst>
+          </p:cNvPr>
+          <p:cNvSpPr>
+            <a:spLocks noGrp="1"/>
+          </p:cNvSpPr>
+          <p:nvPr>
+            <p:ph type="dt" sz="half" idx="10"/>
+          </p:nvPr>
+        </p:nvSpPr>
+        <p:spPr>
+          <a:xfrm>
+            <a:off x="9607150" y="6492875"/>
+            <a:ext cx="2584850" cy="365125"/>
+          </a:xfrm>
+        </p:spPr>
+        <p:txBody>
+          <a:bodyPr/>
+          <a:lstStyle/>
+          <a:p>
+            <a:pPr rtl="0"/>
+            <a:fld id="{6BB10D81-EB47-474E-AFE6-F10ABA500AD1}" type="datetime1">
+              <a:rPr lang="ja-JP" altLang="en-US" smtClean="0"/>
+              <a:t>2023/3/13</a:t>
+            </a:fld>
+            <a:endParaRPr lang="en-US" dirty="0"/>
+          </a:p>
+        </p:txBody>
+      </p:sp>
+      <p:sp>
+        <p:nvSpPr>
+          <p:cNvPr id="9" name="テキスト ボックス 8">
+            <a:extLst>
+              <a:ext uri="{FF2B5EF4-FFF2-40B4-BE49-F238E27FC236}">
+                <a16:creationId xmlns:a16="http://schemas.microsoft.com/office/drawing/2014/main" id="{0670BE5B-DE21-572A-B994-A9D5A200B6AB}"/>
+              </a:ext>
+            </a:extLst>
+          </p:cNvPr>
+          <p:cNvSpPr txBox="1"/>
+          <p:nvPr/>
+        </p:nvSpPr>
+        <p:spPr>
+          <a:xfrm>
+            <a:off x="2845757" y="329170"/>
+            <a:ext cx="11582399" cy="584775"/>
+          </a:xfrm>
+          <a:prstGeom prst="rect">
+            <a:avLst/>
+          </a:prstGeom>
+          <a:noFill/>
+        </p:spPr>
+        <p:txBody>
+          <a:bodyPr wrap="square" rtlCol="0">
+            <a:spAutoFit/>
+          </a:bodyPr>
+          <a:lstStyle/>
+          <a:p>
+            <a:pPr algn="ctr"/>
+            <a:r>
+              <a:rPr kumimoji="1" lang="ja-JP" altLang="en-US" sz="3200" dirty="0">
+                <a:latin typeface="源柔ゴシック Bold" panose="020B0602020203020207" pitchFamily="50" charset="-128"/>
+                <a:ea typeface="源柔ゴシック Bold" panose="020B0602020203020207" pitchFamily="50" charset="-128"/>
+                <a:cs typeface="源柔ゴシック Bold" panose="020B0602020203020207" pitchFamily="50" charset="-128"/>
+              </a:rPr>
+              <a:t>幸福度・指標の相関を分析</a:t>
+            </a:r>
+          </a:p>
+        </p:txBody>
+      </p:sp>
+      <p:sp>
+        <p:nvSpPr>
+          <p:cNvPr id="12" name="テキスト ボックス 11">
+            <a:extLst>
+              <a:ext uri="{FF2B5EF4-FFF2-40B4-BE49-F238E27FC236}">
+                <a16:creationId xmlns:a16="http://schemas.microsoft.com/office/drawing/2014/main" id="{AC1F4013-0B5C-8DC3-E941-A7DE9CBA6D63}"/>
+              </a:ext>
+            </a:extLst>
+          </p:cNvPr>
+          <p:cNvSpPr txBox="1"/>
+          <p:nvPr/>
+        </p:nvSpPr>
+        <p:spPr>
+          <a:xfrm>
+            <a:off x="6267938" y="1882422"/>
+            <a:ext cx="6527799" cy="1692771"/>
+          </a:xfrm>
+          <a:prstGeom prst="rect">
+            <a:avLst/>
+          </a:prstGeom>
+          <a:noFill/>
+        </p:spPr>
+        <p:txBody>
+          <a:bodyPr wrap="square" rtlCol="0">
+            <a:spAutoFit/>
+          </a:bodyPr>
+          <a:lstStyle/>
+          <a:p>
+            <a:r>
+              <a:rPr kumimoji="1" lang="ja-JP" altLang="en-US" sz="2800" dirty="0">
+                <a:latin typeface="源柔ゴシック Bold" panose="020B0602020203020207" pitchFamily="50" charset="-128"/>
+                <a:ea typeface="源柔ゴシック Bold" panose="020B0602020203020207" pitchFamily="50" charset="-128"/>
+                <a:cs typeface="源柔ゴシック Bold" panose="020B0602020203020207" pitchFamily="50" charset="-128"/>
+              </a:rPr>
+              <a:t>強い相関</a:t>
+            </a:r>
+            <a:r>
+              <a:rPr kumimoji="1" lang="ja-JP" altLang="en-US" sz="2000" dirty="0">
+                <a:latin typeface="源柔ゴシック Bold" panose="020B0602020203020207" pitchFamily="50" charset="-128"/>
+                <a:ea typeface="源柔ゴシック Bold" panose="020B0602020203020207" pitchFamily="50" charset="-128"/>
+                <a:cs typeface="源柔ゴシック Bold" panose="020B0602020203020207" pitchFamily="50" charset="-128"/>
+              </a:rPr>
+              <a:t>：</a:t>
+            </a:r>
+            <a:r>
+              <a:rPr kumimoji="1" lang="en-US" altLang="ja-JP" sz="2000" dirty="0">
+                <a:latin typeface="源柔ゴシック Bold" panose="020B0602020203020207" pitchFamily="50" charset="-128"/>
+                <a:ea typeface="源柔ゴシック Bold" panose="020B0602020203020207" pitchFamily="50" charset="-128"/>
+                <a:cs typeface="源柔ゴシック Bold" panose="020B0602020203020207" pitchFamily="50" charset="-128"/>
+              </a:rPr>
+              <a:t>GDP</a:t>
+            </a:r>
+            <a:r>
+              <a:rPr kumimoji="1" lang="ja-JP" altLang="en-US" sz="2000" dirty="0">
+                <a:latin typeface="源柔ゴシック Bold" panose="020B0602020203020207" pitchFamily="50" charset="-128"/>
+                <a:ea typeface="源柔ゴシック Bold" panose="020B0602020203020207" pitchFamily="50" charset="-128"/>
+                <a:cs typeface="源柔ゴシック Bold" panose="020B0602020203020207" pitchFamily="50" charset="-128"/>
+              </a:rPr>
+              <a:t>比、社会的支援、健康寿命</a:t>
+            </a:r>
+            <a:endParaRPr kumimoji="1" lang="en-US" altLang="ja-JP" sz="2000" dirty="0">
+              <a:latin typeface="源柔ゴシック Bold" panose="020B0602020203020207" pitchFamily="50" charset="-128"/>
+              <a:ea typeface="源柔ゴシック Bold" panose="020B0602020203020207" pitchFamily="50" charset="-128"/>
+              <a:cs typeface="源柔ゴシック Bold" panose="020B0602020203020207" pitchFamily="50" charset="-128"/>
+            </a:endParaRPr>
+          </a:p>
+          <a:p>
+            <a:r>
+              <a:rPr kumimoji="1" lang="ja-JP" altLang="en-US" sz="2000" dirty="0">
+                <a:latin typeface="源柔ゴシック Bold" panose="020B0602020203020207" pitchFamily="50" charset="-128"/>
+                <a:ea typeface="源柔ゴシック Bold" panose="020B0602020203020207" pitchFamily="50" charset="-128"/>
+                <a:cs typeface="源柔ゴシック Bold" panose="020B0602020203020207" pitchFamily="50" charset="-128"/>
+              </a:rPr>
+              <a:t>　　　　　　  人生の選択の自由</a:t>
+            </a:r>
+            <a:endParaRPr kumimoji="1" lang="en-US" altLang="ja-JP" sz="2000" dirty="0">
+              <a:latin typeface="源柔ゴシック Bold" panose="020B0602020203020207" pitchFamily="50" charset="-128"/>
+              <a:ea typeface="源柔ゴシック Bold" panose="020B0602020203020207" pitchFamily="50" charset="-128"/>
+              <a:cs typeface="源柔ゴシック Bold" panose="020B0602020203020207" pitchFamily="50" charset="-128"/>
+            </a:endParaRPr>
+          </a:p>
+          <a:p>
+            <a:r>
+              <a:rPr kumimoji="1" lang="ja-JP" altLang="en-US" sz="2800" dirty="0">
+                <a:latin typeface="源柔ゴシック Bold" panose="020B0602020203020207" pitchFamily="50" charset="-128"/>
+                <a:ea typeface="源柔ゴシック Bold" panose="020B0602020203020207" pitchFamily="50" charset="-128"/>
+                <a:cs typeface="源柔ゴシック Bold" panose="020B0602020203020207" pitchFamily="50" charset="-128"/>
+              </a:rPr>
+              <a:t>弱い相関</a:t>
+            </a:r>
+            <a:r>
+              <a:rPr kumimoji="1" lang="ja-JP" altLang="en-US" sz="2000" dirty="0">
+                <a:latin typeface="源柔ゴシック Bold" panose="020B0602020203020207" pitchFamily="50" charset="-128"/>
+                <a:ea typeface="源柔ゴシック Bold" panose="020B0602020203020207" pitchFamily="50" charset="-128"/>
+                <a:cs typeface="源柔ゴシック Bold" panose="020B0602020203020207" pitchFamily="50" charset="-128"/>
+              </a:rPr>
+              <a:t>：腐敗の認識</a:t>
+            </a:r>
+            <a:endParaRPr kumimoji="1" lang="en-US" altLang="ja-JP" sz="2000" dirty="0">
+              <a:latin typeface="源柔ゴシック Bold" panose="020B0602020203020207" pitchFamily="50" charset="-128"/>
+              <a:ea typeface="源柔ゴシック Bold" panose="020B0602020203020207" pitchFamily="50" charset="-128"/>
+              <a:cs typeface="源柔ゴシック Bold" panose="020B0602020203020207" pitchFamily="50" charset="-128"/>
+            </a:endParaRPr>
+          </a:p>
+          <a:p>
+            <a:r>
+              <a:rPr kumimoji="1" lang="ja-JP" altLang="en-US" sz="2800" dirty="0">
+                <a:latin typeface="源柔ゴシック Bold" panose="020B0602020203020207" pitchFamily="50" charset="-128"/>
+                <a:ea typeface="源柔ゴシック Bold" panose="020B0602020203020207" pitchFamily="50" charset="-128"/>
+                <a:cs typeface="源柔ゴシック Bold" panose="020B0602020203020207" pitchFamily="50" charset="-128"/>
+              </a:rPr>
+              <a:t>相関なし</a:t>
+            </a:r>
+            <a:r>
+              <a:rPr kumimoji="1" lang="ja-JP" altLang="en-US" sz="2000" dirty="0">
+                <a:latin typeface="源柔ゴシック Bold" panose="020B0602020203020207" pitchFamily="50" charset="-128"/>
+                <a:ea typeface="源柔ゴシック Bold" panose="020B0602020203020207" pitchFamily="50" charset="-128"/>
+                <a:cs typeface="源柔ゴシック Bold" panose="020B0602020203020207" pitchFamily="50" charset="-128"/>
+              </a:rPr>
+              <a:t>：寛容さ</a:t>
+            </a:r>
+          </a:p>
+        </p:txBody>
+      </p:sp>
+      <p:sp>
+        <p:nvSpPr>
+          <p:cNvPr id="5" name="テキスト ボックス 4">
+            <a:extLst>
+              <a:ext uri="{FF2B5EF4-FFF2-40B4-BE49-F238E27FC236}">
+                <a16:creationId xmlns:a16="http://schemas.microsoft.com/office/drawing/2014/main" id="{14748514-8D2D-F2BF-D5EA-CD2B649D7BC0}"/>
+              </a:ext>
+            </a:extLst>
+          </p:cNvPr>
+          <p:cNvSpPr txBox="1"/>
+          <p:nvPr/>
+        </p:nvSpPr>
+        <p:spPr>
+          <a:xfrm>
+            <a:off x="6452373" y="1006468"/>
+            <a:ext cx="6106353" cy="461665"/>
+          </a:xfrm>
+          <a:prstGeom prst="rect">
+            <a:avLst/>
+          </a:prstGeom>
+          <a:noFill/>
+        </p:spPr>
+        <p:txBody>
+          <a:bodyPr wrap="square" rtlCol="0">
+            <a:spAutoFit/>
+          </a:bodyPr>
+          <a:lstStyle/>
+          <a:p>
+            <a:r>
+              <a:rPr kumimoji="1" lang="ja-JP" altLang="en-US" sz="2400" dirty="0">
+                <a:latin typeface="源柔ゴシック Bold" panose="020B0602020203020207" pitchFamily="50" charset="-128"/>
+                <a:ea typeface="源柔ゴシック Bold" panose="020B0602020203020207" pitchFamily="50" charset="-128"/>
+                <a:cs typeface="源柔ゴシック Bold" panose="020B0602020203020207" pitchFamily="50" charset="-128"/>
+              </a:rPr>
+              <a:t>幸福度と有意な相関がある指標</a:t>
+            </a:r>
+          </a:p>
+        </p:txBody>
+      </p:sp>
+      <p:sp>
+        <p:nvSpPr>
+          <p:cNvPr id="6" name="テキスト ボックス 5">
+            <a:extLst>
+              <a:ext uri="{FF2B5EF4-FFF2-40B4-BE49-F238E27FC236}">
+                <a16:creationId xmlns:a16="http://schemas.microsoft.com/office/drawing/2014/main" id="{08FD2D08-118A-2850-B711-6B0E63C61A99}"/>
+              </a:ext>
+            </a:extLst>
+          </p:cNvPr>
+          <p:cNvSpPr txBox="1"/>
+          <p:nvPr/>
+        </p:nvSpPr>
+        <p:spPr>
+          <a:xfrm>
+            <a:off x="6369836" y="3861423"/>
+            <a:ext cx="5669764" cy="1200329"/>
+          </a:xfrm>
+          <a:prstGeom prst="rect">
+            <a:avLst/>
+          </a:prstGeom>
+          <a:noFill/>
+        </p:spPr>
+        <p:txBody>
+          <a:bodyPr wrap="square" rtlCol="0">
+            <a:spAutoFit/>
+          </a:bodyPr>
+          <a:lstStyle/>
+          <a:p>
+            <a:r>
+              <a:rPr kumimoji="1" lang="ja-JP" altLang="en-US" sz="2400" dirty="0">
+                <a:latin typeface="源柔ゴシック Bold" panose="020B0602020203020207" pitchFamily="50" charset="-128"/>
+                <a:ea typeface="源柔ゴシック Bold" panose="020B0602020203020207" pitchFamily="50" charset="-128"/>
+                <a:cs typeface="源柔ゴシック Bold" panose="020B0602020203020207" pitchFamily="50" charset="-128"/>
+              </a:rPr>
+              <a:t>結論：</a:t>
+            </a:r>
+            <a:endParaRPr kumimoji="1" lang="en-US" altLang="ja-JP" sz="2400" dirty="0">
+              <a:latin typeface="源柔ゴシック Bold" panose="020B0602020203020207" pitchFamily="50" charset="-128"/>
+              <a:ea typeface="源柔ゴシック Bold" panose="020B0602020203020207" pitchFamily="50" charset="-128"/>
+              <a:cs typeface="源柔ゴシック Bold" panose="020B0602020203020207" pitchFamily="50" charset="-128"/>
+            </a:endParaRPr>
+          </a:p>
+          <a:p>
+            <a:r>
+              <a:rPr kumimoji="1" lang="ja-JP" altLang="en-US" sz="1600" dirty="0">
+                <a:latin typeface="源柔ゴシック Bold" panose="020B0602020203020207" pitchFamily="50" charset="-128"/>
+                <a:ea typeface="源柔ゴシック Bold" panose="020B0602020203020207" pitchFamily="50" charset="-128"/>
+                <a:cs typeface="源柔ゴシック Bold" panose="020B0602020203020207" pitchFamily="50" charset="-128"/>
+              </a:rPr>
+              <a:t>経済や社会的支援、ヘルスケア・職業選択や進学の自由等を</a:t>
+            </a:r>
+            <a:endParaRPr kumimoji="1" lang="en-US" altLang="ja-JP" sz="1600" dirty="0">
+              <a:latin typeface="源柔ゴシック Bold" panose="020B0602020203020207" pitchFamily="50" charset="-128"/>
+              <a:ea typeface="源柔ゴシック Bold" panose="020B0602020203020207" pitchFamily="50" charset="-128"/>
+              <a:cs typeface="源柔ゴシック Bold" panose="020B0602020203020207" pitchFamily="50" charset="-128"/>
+            </a:endParaRPr>
+          </a:p>
+          <a:p>
+            <a:r>
+              <a:rPr kumimoji="1" lang="ja-JP" altLang="en-US" sz="1600" dirty="0">
+                <a:latin typeface="源柔ゴシック Bold" panose="020B0602020203020207" pitchFamily="50" charset="-128"/>
+                <a:ea typeface="源柔ゴシック Bold" panose="020B0602020203020207" pitchFamily="50" charset="-128"/>
+                <a:cs typeface="源柔ゴシック Bold" panose="020B0602020203020207" pitchFamily="50" charset="-128"/>
+              </a:rPr>
+              <a:t>増進すると国民の幸福度が向上する。チャリティーや公平な裁きは幸福度に対して大きく影響しない</a:t>
+            </a:r>
+            <a:endParaRPr kumimoji="1" lang="en-US" altLang="ja-JP" sz="1600" dirty="0">
+              <a:latin typeface="源柔ゴシック Bold" panose="020B0602020203020207" pitchFamily="50" charset="-128"/>
+              <a:ea typeface="源柔ゴシック Bold" panose="020B0602020203020207" pitchFamily="50" charset="-128"/>
+              <a:cs typeface="源柔ゴシック Bold" panose="020B0602020203020207" pitchFamily="50" charset="-128"/>
+            </a:endParaRPr>
+          </a:p>
+        </p:txBody>
+      </p:sp>
+      <p:sp>
+        <p:nvSpPr>
+          <p:cNvPr id="7" name="テキスト ボックス 6">
+            <a:extLst>
+              <a:ext uri="{FF2B5EF4-FFF2-40B4-BE49-F238E27FC236}">
+                <a16:creationId xmlns:a16="http://schemas.microsoft.com/office/drawing/2014/main" id="{58CF95F8-E89B-6DE3-40EA-D955D77C1529}"/>
+              </a:ext>
+            </a:extLst>
+          </p:cNvPr>
+          <p:cNvSpPr txBox="1"/>
+          <p:nvPr/>
+        </p:nvSpPr>
+        <p:spPr>
+          <a:xfrm>
+            <a:off x="6369836" y="5252538"/>
+            <a:ext cx="5396755" cy="954107"/>
+          </a:xfrm>
+          <a:prstGeom prst="rect">
+            <a:avLst/>
+          </a:prstGeom>
+          <a:noFill/>
+        </p:spPr>
+        <p:txBody>
+          <a:bodyPr wrap="square" rtlCol="0">
+            <a:spAutoFit/>
+          </a:bodyPr>
+          <a:lstStyle/>
+          <a:p>
+            <a:r>
+              <a:rPr kumimoji="1" lang="ja-JP" altLang="en-US" sz="2400" dirty="0">
+                <a:latin typeface="源柔ゴシック Bold" panose="020B0602020203020207" pitchFamily="50" charset="-128"/>
+                <a:ea typeface="源柔ゴシック Bold" panose="020B0602020203020207" pitchFamily="50" charset="-128"/>
+                <a:cs typeface="源柔ゴシック Bold" panose="020B0602020203020207" pitchFamily="50" charset="-128"/>
+              </a:rPr>
+              <a:t>次の課題：</a:t>
+            </a:r>
+            <a:endParaRPr kumimoji="1" lang="en-US" altLang="ja-JP" sz="2400" dirty="0">
+              <a:latin typeface="源柔ゴシック Bold" panose="020B0602020203020207" pitchFamily="50" charset="-128"/>
+              <a:ea typeface="源柔ゴシック Bold" panose="020B0602020203020207" pitchFamily="50" charset="-128"/>
+              <a:cs typeface="源柔ゴシック Bold" panose="020B0602020203020207" pitchFamily="50" charset="-128"/>
+            </a:endParaRPr>
+          </a:p>
+          <a:p>
+            <a:r>
+              <a:rPr kumimoji="1" lang="ja-JP" altLang="en-US" sz="1600" dirty="0">
+                <a:latin typeface="源柔ゴシック Bold" panose="020B0602020203020207" pitchFamily="50" charset="-128"/>
+                <a:ea typeface="源柔ゴシック Bold" panose="020B0602020203020207" pitchFamily="50" charset="-128"/>
+                <a:cs typeface="源柔ゴシック Bold" panose="020B0602020203020207" pitchFamily="50" charset="-128"/>
+              </a:rPr>
+              <a:t>相関関係が明らかになったので、</a:t>
+            </a:r>
+            <a:endParaRPr kumimoji="1" lang="en-US" altLang="ja-JP" sz="1600" dirty="0">
+              <a:latin typeface="源柔ゴシック Bold" panose="020B0602020203020207" pitchFamily="50" charset="-128"/>
+              <a:ea typeface="源柔ゴシック Bold" panose="020B0602020203020207" pitchFamily="50" charset="-128"/>
+              <a:cs typeface="源柔ゴシック Bold" panose="020B0602020203020207" pitchFamily="50" charset="-128"/>
+            </a:endParaRPr>
+          </a:p>
+          <a:p>
+            <a:r>
+              <a:rPr kumimoji="1" lang="ja-JP" altLang="en-US" sz="1600" dirty="0">
+                <a:latin typeface="源柔ゴシック Bold" panose="020B0602020203020207" pitchFamily="50" charset="-128"/>
+                <a:ea typeface="源柔ゴシック Bold" panose="020B0602020203020207" pitchFamily="50" charset="-128"/>
+                <a:cs typeface="源柔ゴシック Bold" panose="020B0602020203020207" pitchFamily="50" charset="-128"/>
+              </a:rPr>
+              <a:t>別の方法で関係の</a:t>
+            </a:r>
+            <a:r>
+              <a:rPr kumimoji="1" lang="en-US" altLang="ja-JP" sz="1600" dirty="0">
+                <a:latin typeface="源柔ゴシック Bold" panose="020B0602020203020207" pitchFamily="50" charset="-128"/>
+                <a:ea typeface="源柔ゴシック Bold" panose="020B0602020203020207" pitchFamily="50" charset="-128"/>
+                <a:cs typeface="源柔ゴシック Bold" panose="020B0602020203020207" pitchFamily="50" charset="-128"/>
+              </a:rPr>
+              <a:t>”</a:t>
+            </a:r>
+            <a:r>
+              <a:rPr kumimoji="1" lang="ja-JP" altLang="en-US" sz="1600" dirty="0">
+                <a:latin typeface="源柔ゴシック Bold" panose="020B0602020203020207" pitchFamily="50" charset="-128"/>
+                <a:ea typeface="源柔ゴシック Bold" panose="020B0602020203020207" pitchFamily="50" charset="-128"/>
+                <a:cs typeface="源柔ゴシック Bold" panose="020B0602020203020207" pitchFamily="50" charset="-128"/>
+              </a:rPr>
+              <a:t>重要さ</a:t>
+            </a:r>
+            <a:r>
+              <a:rPr kumimoji="1" lang="en-US" altLang="ja-JP" sz="1600" dirty="0">
+                <a:latin typeface="源柔ゴシック Bold" panose="020B0602020203020207" pitchFamily="50" charset="-128"/>
+                <a:ea typeface="源柔ゴシック Bold" panose="020B0602020203020207" pitchFamily="50" charset="-128"/>
+                <a:cs typeface="源柔ゴシック Bold" panose="020B0602020203020207" pitchFamily="50" charset="-128"/>
+              </a:rPr>
+              <a:t>”</a:t>
+            </a:r>
+            <a:r>
+              <a:rPr kumimoji="1" lang="ja-JP" altLang="en-US" sz="1600" dirty="0">
+                <a:latin typeface="源柔ゴシック Bold" panose="020B0602020203020207" pitchFamily="50" charset="-128"/>
+                <a:ea typeface="源柔ゴシック Bold" panose="020B0602020203020207" pitchFamily="50" charset="-128"/>
+                <a:cs typeface="源柔ゴシック Bold" panose="020B0602020203020207" pitchFamily="50" charset="-128"/>
+              </a:rPr>
+              <a:t>を分析する</a:t>
+            </a:r>
+            <a:endParaRPr kumimoji="1" lang="en-US" altLang="ja-JP" sz="1600" dirty="0">
+              <a:latin typeface="源柔ゴシック Bold" panose="020B0602020203020207" pitchFamily="50" charset="-128"/>
+              <a:ea typeface="源柔ゴシック Bold" panose="020B0602020203020207" pitchFamily="50" charset="-128"/>
+              <a:cs typeface="源柔ゴシック Bold" panose="020B0602020203020207" pitchFamily="50" charset="-128"/>
+            </a:endParaRPr>
+          </a:p>
+        </p:txBody>
+      </p:sp>
+    </p:spTree>
+    <p:extLst>
+      <p:ext uri="{BB962C8B-B14F-4D97-AF65-F5344CB8AC3E}">
+        <p14:creationId xmlns:p14="http://schemas.microsoft.com/office/powerpoint/2010/main" val="1716153103"/>
       </p:ext>
     </p:extLst>
   </p:cSld>
